--- a/Books and PPTS/Spring Boot PPT.pptx
+++ b/Books and PPTS/Spring Boot PPT.pptx
@@ -119,6 +119,11 @@
       </a:defRPr>
     </a:lvl9pPr>
   </p:defaultTextStyle>
+  <p:extLst>
+    <p:ext uri="{EFAFB233-063F-42B5-8137-9DF3F51BA10A}">
+      <p15:sldGuideLst xmlns:p15="http://schemas.microsoft.com/office/powerpoint/2012/main"/>
+    </p:ext>
+  </p:extLst>
 </p:presentation>
 </file>
 
@@ -269,7 +274,7 @@
           <a:p>
             <a:fld id="{DAF27136-5F7E-E342-8C0F-B134C404CC59}" type="datetimeFigureOut">
               <a:rPr lang="en-US" smtClean="0"/>
-              <a:t>1/1/19</a:t>
+              <a:t>10/29/20</a:t>
             </a:fld>
             <a:endParaRPr lang="en-US"/>
           </a:p>
@@ -467,7 +472,7 @@
           <a:p>
             <a:fld id="{DAF27136-5F7E-E342-8C0F-B134C404CC59}" type="datetimeFigureOut">
               <a:rPr lang="en-US" smtClean="0"/>
-              <a:t>1/1/19</a:t>
+              <a:t>10/29/20</a:t>
             </a:fld>
             <a:endParaRPr lang="en-US"/>
           </a:p>
@@ -675,7 +680,7 @@
           <a:p>
             <a:fld id="{DAF27136-5F7E-E342-8C0F-B134C404CC59}" type="datetimeFigureOut">
               <a:rPr lang="en-US" smtClean="0"/>
-              <a:t>1/1/19</a:t>
+              <a:t>10/29/20</a:t>
             </a:fld>
             <a:endParaRPr lang="en-US"/>
           </a:p>
@@ -873,7 +878,7 @@
           <a:p>
             <a:fld id="{DAF27136-5F7E-E342-8C0F-B134C404CC59}" type="datetimeFigureOut">
               <a:rPr lang="en-US" smtClean="0"/>
-              <a:t>1/1/19</a:t>
+              <a:t>10/29/20</a:t>
             </a:fld>
             <a:endParaRPr lang="en-US"/>
           </a:p>
@@ -1148,7 +1153,7 @@
           <a:p>
             <a:fld id="{DAF27136-5F7E-E342-8C0F-B134C404CC59}" type="datetimeFigureOut">
               <a:rPr lang="en-US" smtClean="0"/>
-              <a:t>1/1/19</a:t>
+              <a:t>10/29/20</a:t>
             </a:fld>
             <a:endParaRPr lang="en-US"/>
           </a:p>
@@ -1413,7 +1418,7 @@
           <a:p>
             <a:fld id="{DAF27136-5F7E-E342-8C0F-B134C404CC59}" type="datetimeFigureOut">
               <a:rPr lang="en-US" smtClean="0"/>
-              <a:t>1/1/19</a:t>
+              <a:t>10/29/20</a:t>
             </a:fld>
             <a:endParaRPr lang="en-US"/>
           </a:p>
@@ -1825,7 +1830,7 @@
           <a:p>
             <a:fld id="{DAF27136-5F7E-E342-8C0F-B134C404CC59}" type="datetimeFigureOut">
               <a:rPr lang="en-US" smtClean="0"/>
-              <a:t>1/1/19</a:t>
+              <a:t>10/29/20</a:t>
             </a:fld>
             <a:endParaRPr lang="en-US"/>
           </a:p>
@@ -1966,7 +1971,7 @@
           <a:p>
             <a:fld id="{DAF27136-5F7E-E342-8C0F-B134C404CC59}" type="datetimeFigureOut">
               <a:rPr lang="en-US" smtClean="0"/>
-              <a:t>1/1/19</a:t>
+              <a:t>10/29/20</a:t>
             </a:fld>
             <a:endParaRPr lang="en-US"/>
           </a:p>
@@ -2079,7 +2084,7 @@
           <a:p>
             <a:fld id="{DAF27136-5F7E-E342-8C0F-B134C404CC59}" type="datetimeFigureOut">
               <a:rPr lang="en-US" smtClean="0"/>
-              <a:t>1/1/19</a:t>
+              <a:t>10/29/20</a:t>
             </a:fld>
             <a:endParaRPr lang="en-US"/>
           </a:p>
@@ -2390,7 +2395,7 @@
           <a:p>
             <a:fld id="{DAF27136-5F7E-E342-8C0F-B134C404CC59}" type="datetimeFigureOut">
               <a:rPr lang="en-US" smtClean="0"/>
-              <a:t>1/1/19</a:t>
+              <a:t>10/29/20</a:t>
             </a:fld>
             <a:endParaRPr lang="en-US"/>
           </a:p>
@@ -2678,7 +2683,7 @@
           <a:p>
             <a:fld id="{DAF27136-5F7E-E342-8C0F-B134C404CC59}" type="datetimeFigureOut">
               <a:rPr lang="en-US" smtClean="0"/>
-              <a:t>1/1/19</a:t>
+              <a:t>10/29/20</a:t>
             </a:fld>
             <a:endParaRPr lang="en-US"/>
           </a:p>
@@ -2919,7 +2924,7 @@
           <a:p>
             <a:fld id="{DAF27136-5F7E-E342-8C0F-B134C404CC59}" type="datetimeFigureOut">
               <a:rPr lang="en-US" smtClean="0"/>
-              <a:t>1/1/19</a:t>
+              <a:t>10/29/20</a:t>
             </a:fld>
             <a:endParaRPr lang="en-US"/>
           </a:p>
@@ -3638,7 +3643,7 @@
         </p:spPr>
         <p:txBody>
           <a:bodyPr>
-            <a:normAutofit fontScale="92500" lnSpcReduction="20000"/>
+            <a:normAutofit fontScale="92500" lnSpcReduction="10000"/>
           </a:bodyPr>
           <a:lstStyle/>
           <a:p>
@@ -3808,15 +3813,6 @@
             <a:r>
               <a:rPr lang="en-IN" dirty="0"/>
               <a:t>&gt;</a:t>
-            </a:r>
-          </a:p>
-          <a:p>
-            <a:pPr marL="0" indent="0">
-              <a:buNone/>
-            </a:pPr>
-            <a:r>
-              <a:rPr lang="en-IN" dirty="0"/>
-              <a:t> </a:t>
             </a:r>
           </a:p>
           <a:p>
@@ -4018,7 +4014,7 @@
             </a:pPr>
             <a:r>
               <a:rPr lang="en-IN" sz="1300" dirty="0"/>
-              <a:t>        &lt;version&gt;1.5.9.RELEASE&lt;/version&gt;</a:t>
+              <a:t>        &lt;version&gt;2.3.4.RELEASE&lt;/version&gt;</a:t>
             </a:r>
           </a:p>
           <a:p>
@@ -5350,7 +5346,14 @@
           <a:p>
             <a:pPr lvl="0"/>
             <a:r>
-              <a:rPr lang="en-IN" b="1" dirty="0"/>
+              <a:rPr lang="en-IN" b="1" dirty="0">
+                <a:solidFill>
+                  <a:schemeClr val="accent1"/>
+                </a:solidFill>
+                <a:highlight>
+                  <a:srgbClr val="FFFF00"/>
+                </a:highlight>
+              </a:rPr>
               <a:t>Starters</a:t>
             </a:r>
             <a:r>
@@ -5361,12 +5364,30 @@
           <a:p>
             <a:pPr lvl="0"/>
             <a:r>
-              <a:rPr lang="en-IN" b="1" dirty="0"/>
+              <a:rPr lang="en-IN" b="1" dirty="0">
+                <a:solidFill>
+                  <a:schemeClr val="accent1"/>
+                </a:solidFill>
+                <a:highlight>
+                  <a:srgbClr val="FFFF00"/>
+                </a:highlight>
+              </a:rPr>
               <a:t>Auto configuration</a:t>
             </a:r>
             <a:r>
-              <a:rPr lang="en-IN" dirty="0"/>
-              <a:t> for most of the commonly used built-in classes such </a:t>
+              <a:rPr lang="en-IN" dirty="0">
+                <a:solidFill>
+                  <a:schemeClr val="accent1"/>
+                </a:solidFill>
+                <a:highlight>
+                  <a:srgbClr val="FFFF00"/>
+                </a:highlight>
+              </a:rPr>
+              <a:t> </a:t>
+            </a:r>
+            <a:r>
+              <a:rPr lang="en-IN" dirty="0"/>
+              <a:t>for most of the commonly used built-in classes such </a:t>
             </a:r>
             <a:r>
               <a:rPr lang="en-IN" b="1" dirty="0"/>
@@ -5414,34 +5435,99 @@
             </a:r>
             <a:r>
               <a:rPr lang="en-IN" dirty="0"/>
-              <a:t>, using customisable properties. We need to enable auto configuration by adding either @EnableAutoConfiguration or @SpringBootApplication.</a:t>
+              <a:t>, using customisable properties. We need to enable auto configuration by adding either </a:t>
+            </a:r>
+            <a:r>
+              <a:rPr lang="en-IN" b="1" i="1" dirty="0"/>
+              <a:t>@EnableAutoConfiguration </a:t>
+            </a:r>
+            <a:r>
+              <a:rPr lang="en-IN" dirty="0"/>
+              <a:t>or </a:t>
+            </a:r>
+            <a:r>
+              <a:rPr lang="en-IN" b="1" i="1" dirty="0">
+                <a:solidFill>
+                  <a:schemeClr val="accent6"/>
+                </a:solidFill>
+              </a:rPr>
+              <a:t>@SpringBootApplication</a:t>
+            </a:r>
+            <a:r>
+              <a:rPr lang="en-IN" dirty="0"/>
+              <a:t>.</a:t>
             </a:r>
           </a:p>
           <a:p>
             <a:pPr lvl="0"/>
             <a:r>
-              <a:rPr lang="en-IN" b="1" dirty="0"/>
+              <a:rPr lang="en-IN" b="1" dirty="0">
+                <a:solidFill>
+                  <a:srgbClr val="C00000"/>
+                </a:solidFill>
+                <a:highlight>
+                  <a:srgbClr val="FFFF00"/>
+                </a:highlight>
+              </a:rPr>
               <a:t>Embedded Server</a:t>
             </a:r>
             <a:r>
-              <a:rPr lang="en-IN" dirty="0"/>
+              <a:rPr lang="en-IN" dirty="0">
+                <a:solidFill>
+                  <a:srgbClr val="C00000"/>
+                </a:solidFill>
+                <a:highlight>
+                  <a:srgbClr val="FFFF00"/>
+                </a:highlight>
+              </a:rPr>
               <a:t>:</a:t>
             </a:r>
           </a:p>
           <a:p>
             <a:r>
               <a:rPr lang="en-IN" dirty="0"/>
-              <a:t>The spring-But-started-web automatically pulls spring-boot-starter-tomcat which starts tomcat as an embedded server. So we don’t have to deploy our application on any externally installed tomcat server.</a:t>
+              <a:t>The </a:t>
+            </a:r>
+            <a:r>
+              <a:rPr lang="en-IN" b="1" i="1" dirty="0">
+                <a:solidFill>
+                  <a:schemeClr val="accent2">
+                    <a:lumMod val="75000"/>
+                  </a:schemeClr>
+                </a:solidFill>
+                <a:highlight>
+                  <a:srgbClr val="FFFF00"/>
+                </a:highlight>
+              </a:rPr>
+              <a:t>spring-boot-starter-web</a:t>
+            </a:r>
+            <a:r>
+              <a:rPr lang="en-IN" dirty="0"/>
+              <a:t> automatically pulls spring-boot-starter-tomcat which starts tomcat as an embedded server. So we don’t have to deploy our application on any externally installed tomcat server.</a:t>
             </a:r>
           </a:p>
           <a:p>
             <a:pPr lvl="0"/>
             <a:r>
-              <a:rPr lang="en-IN" b="1" dirty="0"/>
+              <a:rPr lang="en-IN" b="1" dirty="0">
+                <a:solidFill>
+                  <a:srgbClr val="7030A0"/>
+                </a:solidFill>
+                <a:highlight>
+                  <a:srgbClr val="FFFF00"/>
+                </a:highlight>
+              </a:rPr>
               <a:t>Actuators</a:t>
             </a:r>
             <a:r>
-              <a:rPr lang="en-IN" dirty="0"/>
+              <a:rPr lang="en-IN" dirty="0">
+                <a:solidFill>
+                  <a:srgbClr val="7030A0"/>
+                </a:solidFill>
+                <a:highlight>
+                  <a:srgbClr val="FFFF00"/>
+                </a:highlight>
+              </a:rPr>
               <a:t> </a:t>
             </a:r>
           </a:p>
@@ -5554,7 +5640,7 @@
           <a:p>
             <a:r>
               <a:rPr lang="en-IN" dirty="0"/>
-              <a:t>One of the great out comes of spring boot is that it almost eliminates the need, to have traditional XML configurations. </a:t>
+              <a:t>One of the great out comes of spring boot is that it 100% eliminates the need, to have traditional XML configurations. </a:t>
             </a:r>
             <a:endParaRPr lang="en-US" dirty="0"/>
           </a:p>
@@ -6469,7 +6555,7 @@
             </a:pPr>
             <a:r>
               <a:rPr lang="en-IN" dirty="0"/>
-              <a:t>        &lt;version&gt;1.9.1.RELEASE&lt;/version&gt;</a:t>
+              <a:t>        &lt;version&gt;2.3.4.RELEASE&lt;/version&gt;</a:t>
             </a:r>
           </a:p>
           <a:p>
